--- a/docs/What's New in Java 8.pptx
+++ b/docs/What's New in Java 8.pptx
@@ -31,7 +31,8 @@
     <p:sldId id="282" r:id="rId25"/>
     <p:sldId id="262" r:id="rId26"/>
     <p:sldId id="260" r:id="rId27"/>
-    <p:sldId id="263" r:id="rId28"/>
+    <p:sldId id="283" r:id="rId28"/>
+    <p:sldId id="263" r:id="rId29"/>
   </p:sldIdLst>
   <p:sldSz cx="9144000" cy="6858000" type="screen4x3"/>
   <p:notesSz cx="6858000" cy="9144000"/>
@@ -314,7 +315,7 @@
           <a:p>
             <a:fld id="{D09978F7-F21F-9B46-BE4F-5F6C069BB50D}" type="datetimeFigureOut">
               <a:rPr lang="en-US" smtClean="0"/>
-              <a:t>7/6/14</a:t>
+              <a:t>4/28/15</a:t>
             </a:fld>
             <a:endParaRPr lang="en-US" dirty="0"/>
           </a:p>
@@ -484,7 +485,7 @@
           <a:p>
             <a:fld id="{D09978F7-F21F-9B46-BE4F-5F6C069BB50D}" type="datetimeFigureOut">
               <a:rPr lang="en-US" smtClean="0"/>
-              <a:t>7/6/14</a:t>
+              <a:t>4/28/15</a:t>
             </a:fld>
             <a:endParaRPr lang="en-US" dirty="0"/>
           </a:p>
@@ -664,7 +665,7 @@
           <a:p>
             <a:fld id="{D09978F7-F21F-9B46-BE4F-5F6C069BB50D}" type="datetimeFigureOut">
               <a:rPr lang="en-US" smtClean="0"/>
-              <a:t>7/6/14</a:t>
+              <a:t>4/28/15</a:t>
             </a:fld>
             <a:endParaRPr lang="en-US" dirty="0"/>
           </a:p>
@@ -834,7 +835,7 @@
           <a:p>
             <a:fld id="{D09978F7-F21F-9B46-BE4F-5F6C069BB50D}" type="datetimeFigureOut">
               <a:rPr lang="en-US" smtClean="0"/>
-              <a:t>7/6/14</a:t>
+              <a:t>4/28/15</a:t>
             </a:fld>
             <a:endParaRPr lang="en-US" dirty="0"/>
           </a:p>
@@ -1080,7 +1081,7 @@
           <a:p>
             <a:fld id="{D09978F7-F21F-9B46-BE4F-5F6C069BB50D}" type="datetimeFigureOut">
               <a:rPr lang="en-US" smtClean="0"/>
-              <a:t>7/6/14</a:t>
+              <a:t>4/28/15</a:t>
             </a:fld>
             <a:endParaRPr lang="en-US" dirty="0"/>
           </a:p>
@@ -1368,7 +1369,7 @@
           <a:p>
             <a:fld id="{D09978F7-F21F-9B46-BE4F-5F6C069BB50D}" type="datetimeFigureOut">
               <a:rPr lang="en-US" smtClean="0"/>
-              <a:t>7/6/14</a:t>
+              <a:t>4/28/15</a:t>
             </a:fld>
             <a:endParaRPr lang="en-US" dirty="0"/>
           </a:p>
@@ -1790,7 +1791,7 @@
           <a:p>
             <a:fld id="{D09978F7-F21F-9B46-BE4F-5F6C069BB50D}" type="datetimeFigureOut">
               <a:rPr lang="en-US" smtClean="0"/>
-              <a:t>7/6/14</a:t>
+              <a:t>4/28/15</a:t>
             </a:fld>
             <a:endParaRPr lang="en-US" dirty="0"/>
           </a:p>
@@ -1908,7 +1909,7 @@
           <a:p>
             <a:fld id="{D09978F7-F21F-9B46-BE4F-5F6C069BB50D}" type="datetimeFigureOut">
               <a:rPr lang="en-US" smtClean="0"/>
-              <a:t>7/6/14</a:t>
+              <a:t>4/28/15</a:t>
             </a:fld>
             <a:endParaRPr lang="en-US" dirty="0"/>
           </a:p>
@@ -2003,7 +2004,7 @@
           <a:p>
             <a:fld id="{D09978F7-F21F-9B46-BE4F-5F6C069BB50D}" type="datetimeFigureOut">
               <a:rPr lang="en-US" smtClean="0"/>
-              <a:t>7/6/14</a:t>
+              <a:t>4/28/15</a:t>
             </a:fld>
             <a:endParaRPr lang="en-US" dirty="0"/>
           </a:p>
@@ -2280,7 +2281,7 @@
           <a:p>
             <a:fld id="{D09978F7-F21F-9B46-BE4F-5F6C069BB50D}" type="datetimeFigureOut">
               <a:rPr lang="en-US" smtClean="0"/>
-              <a:t>7/6/14</a:t>
+              <a:t>4/28/15</a:t>
             </a:fld>
             <a:endParaRPr lang="en-US" dirty="0"/>
           </a:p>
@@ -2533,7 +2534,7 @@
           <a:p>
             <a:fld id="{D09978F7-F21F-9B46-BE4F-5F6C069BB50D}" type="datetimeFigureOut">
               <a:rPr lang="en-US" smtClean="0"/>
-              <a:t>7/6/14</a:t>
+              <a:t>4/28/15</a:t>
             </a:fld>
             <a:endParaRPr lang="en-US" dirty="0"/>
           </a:p>
@@ -2746,7 +2747,7 @@
           <a:p>
             <a:fld id="{D09978F7-F21F-9B46-BE4F-5F6C069BB50D}" type="datetimeFigureOut">
               <a:rPr lang="en-US" smtClean="0"/>
-              <a:t>7/6/14</a:t>
+              <a:t>4/28/15</a:t>
             </a:fld>
             <a:endParaRPr lang="en-US" dirty="0"/>
           </a:p>
@@ -6058,7 +6059,19 @@
             </a:pPr>
             <a:r>
               <a:rPr lang="en-US" dirty="0"/>
-              <a:t>                    .and(element(</a:t>
+              <a:t>                    .</a:t>
+            </a:r>
+            <a:r>
+              <a:rPr lang="en-US" dirty="0" err="1" smtClean="0"/>
+              <a:t>andThen</a:t>
+            </a:r>
+            <a:r>
+              <a:rPr lang="en-US" dirty="0" smtClean="0"/>
+              <a:t>(</a:t>
+            </a:r>
+            <a:r>
+              <a:rPr lang="en-US" dirty="0"/>
+              <a:t>element(</a:t>
             </a:r>
             <a:r>
               <a:rPr lang="en-US" dirty="0">
@@ -6079,7 +6092,15 @@
             </a:pPr>
             <a:r>
               <a:rPr lang="en-US" dirty="0"/>
-              <a:t>                    .and(</a:t>
+              <a:t>                    .</a:t>
+            </a:r>
+            <a:r>
+              <a:rPr lang="en-US" dirty="0" err="1" smtClean="0"/>
+              <a:t>andThen</a:t>
+            </a:r>
+            <a:r>
+              <a:rPr lang="en-US" dirty="0" smtClean="0"/>
+              <a:t>(</a:t>
             </a:r>
             <a:r>
               <a:rPr lang="en-US" dirty="0">
@@ -6100,7 +6121,15 @@
             </a:pPr>
             <a:r>
               <a:rPr lang="en-US" dirty="0"/>
-              <a:t>                    .and(</a:t>
+              <a:t>                    .</a:t>
+            </a:r>
+            <a:r>
+              <a:rPr lang="en-US" dirty="0" err="1" smtClean="0"/>
+              <a:t>andThen</a:t>
+            </a:r>
+            <a:r>
+              <a:rPr lang="en-US" dirty="0" smtClean="0"/>
+              <a:t>(</a:t>
             </a:r>
             <a:r>
               <a:rPr lang="en-US" dirty="0">
@@ -6121,7 +6150,15 @@
             </a:pPr>
             <a:r>
               <a:rPr lang="en-US" dirty="0"/>
-              <a:t>                    .and(</a:t>
+              <a:t>                    .</a:t>
+            </a:r>
+            <a:r>
+              <a:rPr lang="en-US" dirty="0" err="1" smtClean="0"/>
+              <a:t>andThen</a:t>
+            </a:r>
+            <a:r>
+              <a:rPr lang="en-US" dirty="0" smtClean="0"/>
+              <a:t>(</a:t>
             </a:r>
             <a:r>
               <a:rPr lang="en-US" dirty="0">
@@ -7724,13 +7761,326 @@
         </p:nvSpPr>
         <p:spPr/>
         <p:txBody>
-          <a:bodyPr/>
+          <a:bodyPr>
+            <a:normAutofit lnSpcReduction="10000"/>
+          </a:bodyPr>
           <a:lstStyle/>
           <a:p>
             <a:r>
               <a:rPr lang="en-US" dirty="0" smtClean="0"/>
-              <a:t>Repeating Annotations provide the ability to apply the same annotation type more than once to the same declaration or type use.</a:t>
-            </a:r>
+              <a:t>Repeating Annotations provide the ability to apply the same annotation type more than once to the same declaration or type use</a:t>
+            </a:r>
+            <a:r>
+              <a:rPr lang="en-US" dirty="0" smtClean="0"/>
+              <a:t>.</a:t>
+            </a:r>
+          </a:p>
+          <a:p>
+            <a:pPr marL="0" indent="0">
+              <a:buNone/>
+            </a:pPr>
+            <a:r>
+              <a:rPr lang="en-US" sz="1800" dirty="0" smtClean="0">
+                <a:latin typeface="Courier New"/>
+                <a:cs typeface="Courier New"/>
+              </a:rPr>
+              <a:t>    @</a:t>
+            </a:r>
+            <a:r>
+              <a:rPr lang="en-US" sz="1800" dirty="0">
+                <a:latin typeface="Courier New"/>
+                <a:cs typeface="Courier New"/>
+              </a:rPr>
+              <a:t>Schedule(</a:t>
+            </a:r>
+            <a:r>
+              <a:rPr lang="en-US" sz="1800" dirty="0" err="1">
+                <a:latin typeface="Courier New"/>
+                <a:cs typeface="Courier New"/>
+              </a:rPr>
+              <a:t>dayOfMonth</a:t>
+            </a:r>
+            <a:r>
+              <a:rPr lang="en-US" sz="1800" dirty="0">
+                <a:latin typeface="Courier New"/>
+                <a:cs typeface="Courier New"/>
+              </a:rPr>
+              <a:t>="last")</a:t>
+            </a:r>
+          </a:p>
+          <a:p>
+            <a:pPr marL="0" indent="0">
+              <a:buNone/>
+            </a:pPr>
+            <a:r>
+              <a:rPr lang="en-US" sz="1800" dirty="0" smtClean="0">
+                <a:latin typeface="Courier New"/>
+                <a:cs typeface="Courier New"/>
+              </a:rPr>
+              <a:t>    @</a:t>
+            </a:r>
+            <a:r>
+              <a:rPr lang="en-US" sz="1800" dirty="0">
+                <a:latin typeface="Courier New"/>
+                <a:cs typeface="Courier New"/>
+              </a:rPr>
+              <a:t>Schedule(</a:t>
+            </a:r>
+            <a:r>
+              <a:rPr lang="en-US" sz="1800" dirty="0" err="1">
+                <a:latin typeface="Courier New"/>
+                <a:cs typeface="Courier New"/>
+              </a:rPr>
+              <a:t>dayOfWeek</a:t>
+            </a:r>
+            <a:r>
+              <a:rPr lang="en-US" sz="1800" dirty="0">
+                <a:latin typeface="Courier New"/>
+                <a:cs typeface="Courier New"/>
+              </a:rPr>
+              <a:t>="Fri", hour="23")</a:t>
+            </a:r>
+          </a:p>
+          <a:p>
+            <a:pPr marL="0" indent="0">
+              <a:buNone/>
+            </a:pPr>
+            <a:r>
+              <a:rPr lang="en-US" sz="1800" dirty="0" smtClean="0">
+                <a:latin typeface="Courier New"/>
+                <a:cs typeface="Courier New"/>
+              </a:rPr>
+              <a:t>    public </a:t>
+            </a:r>
+            <a:r>
+              <a:rPr lang="en-US" sz="1800" dirty="0">
+                <a:latin typeface="Courier New"/>
+                <a:cs typeface="Courier New"/>
+              </a:rPr>
+              <a:t>void </a:t>
+            </a:r>
+            <a:r>
+              <a:rPr lang="en-US" sz="1800" dirty="0" err="1">
+                <a:latin typeface="Courier New"/>
+                <a:cs typeface="Courier New"/>
+              </a:rPr>
+              <a:t>doPeriodicCleanup</a:t>
+            </a:r>
+            <a:r>
+              <a:rPr lang="en-US" sz="1800" dirty="0">
+                <a:latin typeface="Courier New"/>
+                <a:cs typeface="Courier New"/>
+              </a:rPr>
+              <a:t>() { ... </a:t>
+            </a:r>
+            <a:r>
+              <a:rPr lang="en-US" sz="1800" dirty="0" smtClean="0">
+                <a:latin typeface="Courier New"/>
+                <a:cs typeface="Courier New"/>
+              </a:rPr>
+              <a:t>}</a:t>
+            </a:r>
+          </a:p>
+          <a:p>
+            <a:pPr marL="0" indent="0">
+              <a:buNone/>
+            </a:pPr>
+            <a:endParaRPr lang="en-US" sz="1800" dirty="0">
+              <a:latin typeface="Courier New"/>
+              <a:cs typeface="Courier New"/>
+            </a:endParaRPr>
+          </a:p>
+          <a:p>
+            <a:pPr marL="0" indent="0">
+              <a:buNone/>
+            </a:pPr>
+            <a:r>
+              <a:rPr lang="en-US" sz="1800" b="1" dirty="0" smtClean="0">
+                <a:latin typeface="Courier New"/>
+                <a:cs typeface="Courier New"/>
+              </a:rPr>
+              <a:t>    @</a:t>
+            </a:r>
+            <a:r>
+              <a:rPr lang="en-US" sz="1800" b="1" dirty="0">
+                <a:latin typeface="Courier New"/>
+                <a:cs typeface="Courier New"/>
+              </a:rPr>
+              <a:t>Repeatable(</a:t>
+            </a:r>
+            <a:r>
+              <a:rPr lang="en-US" sz="1800" b="1" dirty="0" err="1">
+                <a:latin typeface="Courier New"/>
+                <a:cs typeface="Courier New"/>
+              </a:rPr>
+              <a:t>Schedules.class</a:t>
+            </a:r>
+            <a:r>
+              <a:rPr lang="en-US" sz="1800" b="1" dirty="0">
+                <a:latin typeface="Courier New"/>
+                <a:cs typeface="Courier New"/>
+              </a:rPr>
+              <a:t>)</a:t>
+            </a:r>
+            <a:endParaRPr lang="en-US" sz="1800" dirty="0">
+              <a:latin typeface="Courier New"/>
+              <a:cs typeface="Courier New"/>
+            </a:endParaRPr>
+          </a:p>
+          <a:p>
+            <a:pPr marL="0" indent="0">
+              <a:buNone/>
+            </a:pPr>
+            <a:r>
+              <a:rPr lang="en-US" sz="1800" dirty="0" smtClean="0">
+                <a:latin typeface="Courier New"/>
+                <a:cs typeface="Courier New"/>
+              </a:rPr>
+              <a:t>    public </a:t>
+            </a:r>
+            <a:r>
+              <a:rPr lang="en-US" sz="1800" dirty="0">
+                <a:latin typeface="Courier New"/>
+                <a:cs typeface="Courier New"/>
+              </a:rPr>
+              <a:t>@interface Schedule {</a:t>
+            </a:r>
+          </a:p>
+          <a:p>
+            <a:pPr marL="0" indent="0">
+              <a:buNone/>
+            </a:pPr>
+            <a:r>
+              <a:rPr lang="en-US" sz="1800" dirty="0">
+                <a:latin typeface="Courier New"/>
+                <a:cs typeface="Courier New"/>
+              </a:rPr>
+              <a:t>  </a:t>
+            </a:r>
+            <a:r>
+              <a:rPr lang="en-US" sz="1800" dirty="0" smtClean="0">
+                <a:latin typeface="Courier New"/>
+                <a:cs typeface="Courier New"/>
+              </a:rPr>
+              <a:t>    String </a:t>
+            </a:r>
+            <a:r>
+              <a:rPr lang="en-US" sz="1800" dirty="0" err="1">
+                <a:latin typeface="Courier New"/>
+                <a:cs typeface="Courier New"/>
+              </a:rPr>
+              <a:t>dayOfMonth</a:t>
+            </a:r>
+            <a:r>
+              <a:rPr lang="en-US" sz="1800" dirty="0">
+                <a:latin typeface="Courier New"/>
+                <a:cs typeface="Courier New"/>
+              </a:rPr>
+              <a:t>() default "first";</a:t>
+            </a:r>
+          </a:p>
+          <a:p>
+            <a:pPr marL="0" indent="0">
+              <a:buNone/>
+            </a:pPr>
+            <a:r>
+              <a:rPr lang="en-US" sz="1800" dirty="0">
+                <a:latin typeface="Courier New"/>
+                <a:cs typeface="Courier New"/>
+              </a:rPr>
+              <a:t>  </a:t>
+            </a:r>
+            <a:r>
+              <a:rPr lang="en-US" sz="1800" dirty="0" smtClean="0">
+                <a:latin typeface="Courier New"/>
+                <a:cs typeface="Courier New"/>
+              </a:rPr>
+              <a:t>    String </a:t>
+            </a:r>
+            <a:r>
+              <a:rPr lang="en-US" sz="1800" dirty="0" err="1">
+                <a:latin typeface="Courier New"/>
+                <a:cs typeface="Courier New"/>
+              </a:rPr>
+              <a:t>dayOfWeek</a:t>
+            </a:r>
+            <a:r>
+              <a:rPr lang="en-US" sz="1800" dirty="0">
+                <a:latin typeface="Courier New"/>
+                <a:cs typeface="Courier New"/>
+              </a:rPr>
+              <a:t>() default "Mon";</a:t>
+            </a:r>
+          </a:p>
+          <a:p>
+            <a:pPr marL="0" indent="0">
+              <a:buNone/>
+            </a:pPr>
+            <a:r>
+              <a:rPr lang="en-US" sz="1800" dirty="0">
+                <a:latin typeface="Courier New"/>
+                <a:cs typeface="Courier New"/>
+              </a:rPr>
+              <a:t>  </a:t>
+            </a:r>
+            <a:r>
+              <a:rPr lang="en-US" sz="1800" dirty="0" smtClean="0">
+                <a:latin typeface="Courier New"/>
+                <a:cs typeface="Courier New"/>
+              </a:rPr>
+              <a:t>    </a:t>
+            </a:r>
+            <a:r>
+              <a:rPr lang="en-US" sz="1800" dirty="0" err="1" smtClean="0">
+                <a:latin typeface="Courier New"/>
+                <a:cs typeface="Courier New"/>
+              </a:rPr>
+              <a:t>int</a:t>
+            </a:r>
+            <a:r>
+              <a:rPr lang="en-US" sz="1800" dirty="0" smtClean="0">
+                <a:latin typeface="Courier New"/>
+                <a:cs typeface="Courier New"/>
+              </a:rPr>
+              <a:t> </a:t>
+            </a:r>
+            <a:r>
+              <a:rPr lang="en-US" sz="1800" dirty="0">
+                <a:latin typeface="Courier New"/>
+                <a:cs typeface="Courier New"/>
+              </a:rPr>
+              <a:t>hour() default 12;</a:t>
+            </a:r>
+          </a:p>
+          <a:p>
+            <a:pPr marL="0" indent="0">
+              <a:buNone/>
+            </a:pPr>
+            <a:r>
+              <a:rPr lang="en-US" sz="1800" dirty="0" smtClean="0">
+                <a:latin typeface="Courier New"/>
+                <a:cs typeface="Courier New"/>
+              </a:rPr>
+              <a:t>    }</a:t>
+            </a:r>
+            <a:endParaRPr lang="en-US" sz="1800" dirty="0">
+              <a:latin typeface="Courier New"/>
+              <a:cs typeface="Courier New"/>
+            </a:endParaRPr>
+          </a:p>
+          <a:p>
+            <a:pPr marL="0" indent="0">
+              <a:buNone/>
+            </a:pPr>
+            <a:endParaRPr lang="en-US" sz="1800" dirty="0">
+              <a:latin typeface="Courier New"/>
+              <a:cs typeface="Courier New"/>
+            </a:endParaRPr>
+          </a:p>
+          <a:p>
+            <a:endParaRPr lang="en-US" dirty="0"/>
+          </a:p>
+          <a:p>
             <a:endParaRPr lang="en-US" dirty="0"/>
           </a:p>
         </p:txBody>
@@ -7756,6 +8106,314 @@
 </file>
 
 <file path=ppt/slides/slide27.xml><?xml version="1.0" encoding="utf-8"?>
+<p:sld xmlns:a="http://schemas.openxmlformats.org/drawingml/2006/main" xmlns:r="http://schemas.openxmlformats.org/officeDocument/2006/relationships" xmlns:p="http://schemas.openxmlformats.org/presentationml/2006/main">
+  <p:cSld>
+    <p:spTree>
+      <p:nvGrpSpPr>
+        <p:cNvPr id="1" name=""/>
+        <p:cNvGrpSpPr/>
+        <p:nvPr/>
+      </p:nvGrpSpPr>
+      <p:grpSpPr>
+        <a:xfrm>
+          <a:off x="0" y="0"/>
+          <a:ext cx="0" cy="0"/>
+          <a:chOff x="0" y="0"/>
+          <a:chExt cx="0" cy="0"/>
+        </a:xfrm>
+      </p:grpSpPr>
+      <p:sp>
+        <p:nvSpPr>
+          <p:cNvPr id="2" name="Title 1"/>
+          <p:cNvSpPr>
+            <a:spLocks noGrp="1"/>
+          </p:cNvSpPr>
+          <p:nvPr>
+            <p:ph type="title"/>
+          </p:nvPr>
+        </p:nvSpPr>
+        <p:spPr/>
+        <p:txBody>
+          <a:bodyPr>
+            <a:normAutofit/>
+          </a:bodyPr>
+          <a:lstStyle/>
+          <a:p>
+            <a:r>
+              <a:rPr lang="en-US" b="1" dirty="0"/>
+              <a:t>Type </a:t>
+            </a:r>
+            <a:r>
+              <a:rPr lang="en-US" b="1" dirty="0" smtClean="0"/>
+              <a:t>Annotations</a:t>
+            </a:r>
+            <a:endParaRPr lang="en-US" dirty="0"/>
+          </a:p>
+        </p:txBody>
+      </p:sp>
+      <p:sp>
+        <p:nvSpPr>
+          <p:cNvPr id="3" name="Content Placeholder 2"/>
+          <p:cNvSpPr>
+            <a:spLocks noGrp="1"/>
+          </p:cNvSpPr>
+          <p:nvPr>
+            <p:ph idx="1"/>
+          </p:nvPr>
+        </p:nvSpPr>
+        <p:spPr/>
+        <p:txBody>
+          <a:bodyPr>
+            <a:normAutofit fontScale="85000" lnSpcReduction="20000"/>
+          </a:bodyPr>
+          <a:lstStyle/>
+          <a:p>
+            <a:pPr marL="0" indent="0">
+              <a:buNone/>
+            </a:pPr>
+            <a:r>
+              <a:rPr lang="en-US" b="1" dirty="0" smtClean="0"/>
+              <a:t>Example,</a:t>
+            </a:r>
+          </a:p>
+          <a:p>
+            <a:pPr marL="0" indent="0">
+              <a:buNone/>
+            </a:pPr>
+            <a:endParaRPr lang="en-US" b="1" dirty="0" smtClean="0"/>
+          </a:p>
+          <a:p>
+            <a:pPr marL="0" indent="0">
+              <a:buNone/>
+            </a:pPr>
+            <a:r>
+              <a:rPr lang="en-US" b="1" dirty="0" smtClean="0">
+                <a:latin typeface="Courier New"/>
+                <a:cs typeface="Courier New"/>
+              </a:rPr>
+              <a:t>  @</a:t>
+            </a:r>
+            <a:r>
+              <a:rPr lang="en-US" b="1" dirty="0" err="1">
+                <a:latin typeface="Courier New"/>
+                <a:cs typeface="Courier New"/>
+              </a:rPr>
+              <a:t>NonNull</a:t>
+            </a:r>
+            <a:r>
+              <a:rPr lang="en-US" b="1" dirty="0">
+                <a:latin typeface="Courier New"/>
+                <a:cs typeface="Courier New"/>
+              </a:rPr>
+              <a:t> String </a:t>
+            </a:r>
+            <a:r>
+              <a:rPr lang="en-US" b="1" dirty="0" err="1" smtClean="0">
+                <a:latin typeface="Courier New"/>
+                <a:cs typeface="Courier New"/>
+              </a:rPr>
+              <a:t>str</a:t>
+            </a:r>
+            <a:r>
+              <a:rPr lang="en-US" b="1" dirty="0" smtClean="0">
+                <a:latin typeface="Courier New"/>
+                <a:cs typeface="Courier New"/>
+              </a:rPr>
+              <a:t> = null;</a:t>
+            </a:r>
+          </a:p>
+          <a:p>
+            <a:pPr marL="0" indent="0">
+              <a:buNone/>
+            </a:pPr>
+            <a:endParaRPr lang="en-US" b="1" dirty="0">
+              <a:latin typeface="Courier New"/>
+              <a:cs typeface="Courier New"/>
+            </a:endParaRPr>
+          </a:p>
+          <a:p>
+            <a:pPr marL="0" indent="0">
+              <a:buNone/>
+            </a:pPr>
+            <a:r>
+              <a:rPr lang="en-US" dirty="0">
+                <a:latin typeface="Courier New"/>
+                <a:cs typeface="Courier New"/>
+              </a:rPr>
+              <a:t>GetStarted.java:5: incompatible types.</a:t>
+            </a:r>
+          </a:p>
+          <a:p>
+            <a:pPr marL="0" indent="0">
+              <a:buNone/>
+            </a:pPr>
+            <a:r>
+              <a:rPr lang="en-US" dirty="0">
+                <a:latin typeface="Courier New"/>
+                <a:cs typeface="Courier New"/>
+              </a:rPr>
+              <a:t>found   : @</a:t>
+            </a:r>
+            <a:r>
+              <a:rPr lang="en-US" dirty="0" err="1">
+                <a:latin typeface="Courier New"/>
+                <a:cs typeface="Courier New"/>
+              </a:rPr>
+              <a:t>Nullable</a:t>
+            </a:r>
+            <a:r>
+              <a:rPr lang="en-US" dirty="0">
+                <a:latin typeface="Courier New"/>
+                <a:cs typeface="Courier New"/>
+              </a:rPr>
+              <a:t> &lt;</a:t>
+            </a:r>
+            <a:r>
+              <a:rPr lang="en-US" dirty="0" err="1">
+                <a:latin typeface="Courier New"/>
+                <a:cs typeface="Courier New"/>
+              </a:rPr>
+              <a:t>nulltype</a:t>
+            </a:r>
+            <a:r>
+              <a:rPr lang="en-US" dirty="0">
+                <a:latin typeface="Courier New"/>
+                <a:cs typeface="Courier New"/>
+              </a:rPr>
+              <a:t>&gt;</a:t>
+            </a:r>
+          </a:p>
+          <a:p>
+            <a:pPr marL="0" indent="0">
+              <a:buNone/>
+            </a:pPr>
+            <a:r>
+              <a:rPr lang="en-US" dirty="0">
+                <a:latin typeface="Courier New"/>
+                <a:cs typeface="Courier New"/>
+              </a:rPr>
+              <a:t>required: @</a:t>
+            </a:r>
+            <a:r>
+              <a:rPr lang="en-US" dirty="0" err="1">
+                <a:latin typeface="Courier New"/>
+                <a:cs typeface="Courier New"/>
+              </a:rPr>
+              <a:t>NonNull</a:t>
+            </a:r>
+            <a:r>
+              <a:rPr lang="en-US" dirty="0">
+                <a:latin typeface="Courier New"/>
+                <a:cs typeface="Courier New"/>
+              </a:rPr>
+              <a:t> Object</a:t>
+            </a:r>
+          </a:p>
+          <a:p>
+            <a:pPr marL="0" indent="0">
+              <a:buNone/>
+            </a:pPr>
+            <a:r>
+              <a:rPr lang="en-US" dirty="0">
+                <a:latin typeface="Courier New"/>
+                <a:cs typeface="Courier New"/>
+              </a:rPr>
+              <a:t>        @</a:t>
+            </a:r>
+            <a:r>
+              <a:rPr lang="en-US" dirty="0" err="1">
+                <a:latin typeface="Courier New"/>
+                <a:cs typeface="Courier New"/>
+              </a:rPr>
+              <a:t>NonNull</a:t>
+            </a:r>
+            <a:r>
+              <a:rPr lang="en-US" dirty="0">
+                <a:latin typeface="Courier New"/>
+                <a:cs typeface="Courier New"/>
+              </a:rPr>
+              <a:t> </a:t>
+            </a:r>
+            <a:r>
+              <a:rPr lang="en-US" dirty="0" smtClean="0">
+                <a:latin typeface="Courier New"/>
+                <a:cs typeface="Courier New"/>
+              </a:rPr>
+              <a:t>String </a:t>
+            </a:r>
+            <a:r>
+              <a:rPr lang="en-US" dirty="0" err="1" smtClean="0">
+                <a:latin typeface="Courier New"/>
+                <a:cs typeface="Courier New"/>
+              </a:rPr>
+              <a:t>str</a:t>
+            </a:r>
+            <a:r>
+              <a:rPr lang="en-US" dirty="0" smtClean="0">
+                <a:latin typeface="Courier New"/>
+                <a:cs typeface="Courier New"/>
+              </a:rPr>
+              <a:t>= </a:t>
+            </a:r>
+            <a:r>
+              <a:rPr lang="en-US" dirty="0">
+                <a:latin typeface="Courier New"/>
+                <a:cs typeface="Courier New"/>
+              </a:rPr>
+              <a:t>null;</a:t>
+            </a:r>
+          </a:p>
+          <a:p>
+            <a:pPr marL="0" indent="0">
+              <a:buNone/>
+            </a:pPr>
+            <a:r>
+              <a:rPr lang="en-US" dirty="0" smtClean="0">
+                <a:latin typeface="Courier New"/>
+                <a:cs typeface="Courier New"/>
+              </a:rPr>
+              <a:t>                             ^</a:t>
+            </a:r>
+          </a:p>
+          <a:p>
+            <a:pPr marL="0" indent="0">
+              <a:buNone/>
+            </a:pPr>
+            <a:r>
+              <a:rPr lang="en-US" dirty="0" smtClean="0">
+                <a:latin typeface="Courier New"/>
+                <a:cs typeface="Courier New"/>
+              </a:rPr>
+              <a:t>1 </a:t>
+            </a:r>
+            <a:r>
+              <a:rPr lang="en-US" dirty="0">
+                <a:latin typeface="Courier New"/>
+                <a:cs typeface="Courier New"/>
+              </a:rPr>
+              <a:t>error</a:t>
+            </a:r>
+            <a:endParaRPr lang="en-US" dirty="0">
+              <a:latin typeface="Courier New"/>
+              <a:cs typeface="Courier New"/>
+            </a:endParaRPr>
+          </a:p>
+        </p:txBody>
+      </p:sp>
+    </p:spTree>
+    <p:extLst>
+      <p:ext uri="{BB962C8B-B14F-4D97-AF65-F5344CB8AC3E}">
+        <p14:creationId xmlns:p14="http://schemas.microsoft.com/office/powerpoint/2010/main" val="3719074516"/>
+      </p:ext>
+    </p:extLst>
+  </p:cSld>
+  <p:clrMapOvr>
+    <a:masterClrMapping/>
+  </p:clrMapOvr>
+</p:sld>
+</file>
+
+<file path=ppt/slides/slide28.xml><?xml version="1.0" encoding="utf-8"?>
 <p:sld xmlns:a="http://schemas.openxmlformats.org/drawingml/2006/main" xmlns:r="http://schemas.openxmlformats.org/officeDocument/2006/relationships" xmlns:p="http://schemas.openxmlformats.org/presentationml/2006/main">
   <p:cSld>
     <p:spTree>
